--- a/Python/20170677_오융택.pptx
+++ b/Python/20170677_오융택.pptx
@@ -11,6 +11,7 @@
     <p:sldId id="259" r:id="rId5"/>
     <p:sldId id="260" r:id="rId6"/>
     <p:sldId id="261" r:id="rId7"/>
+    <p:sldId id="262" r:id="rId8"/>
   </p:sldIdLst>
   <p:sldSz cx="12192000" cy="6858000"/>
   <p:notesSz cx="6858000" cy="9144000"/>
@@ -109,6 +110,11 @@
       </a:defRPr>
     </a:lvl9pPr>
   </p:defaultTextStyle>
+  <p:extLst>
+    <p:ext uri="{EFAFB233-063F-42B5-8137-9DF3F51BA10A}">
+      <p15:sldGuideLst xmlns:p15="http://schemas.microsoft.com/office/powerpoint/2012/main"/>
+    </p:ext>
+  </p:extLst>
 </p:presentation>
 </file>
 
@@ -10002,47 +10008,51 @@
                 <a:latin typeface="NanumGothic" panose="020B0503020000020004" pitchFamily="2" charset="-127"/>
                 <a:ea typeface="NanumGothic" panose="020B0503020000020004" pitchFamily="2" charset="-127"/>
               </a:rPr>
-              <a:t>최근에 디즈니의 </a:t>
-            </a:r>
-            <a:r>
-              <a:rPr lang="en-US" altLang="ko-KR" dirty="0">
+              <a:t>최근에 영화를 한 편 관람하였는데 어떤 영화는 </a:t>
+            </a:r>
+            <a:r>
+              <a:rPr lang="ko-KR" altLang="en-US" b="0" i="0" dirty="0" err="1">
                 <a:solidFill>
                   <a:srgbClr val="333333"/>
                 </a:solidFill>
+                <a:effectLst/>
                 <a:latin typeface="NanumGothic" panose="020B0503020000020004" pitchFamily="2" charset="-127"/>
                 <a:ea typeface="NanumGothic" panose="020B0503020000020004" pitchFamily="2" charset="-127"/>
               </a:rPr>
-              <a:t>MARVEL</a:t>
-            </a:r>
-            <a:r>
-              <a:rPr lang="ko-KR" altLang="en-US" dirty="0">
+              <a:t>기대받지</a:t>
+            </a:r>
+            <a:r>
+              <a:rPr lang="ko-KR" altLang="en-US" b="0" i="0" dirty="0">
                 <a:solidFill>
                   <a:srgbClr val="333333"/>
                 </a:solidFill>
+                <a:effectLst/>
                 <a:latin typeface="NanumGothic" panose="020B0503020000020004" pitchFamily="2" charset="-127"/>
                 <a:ea typeface="NanumGothic" panose="020B0503020000020004" pitchFamily="2" charset="-127"/>
               </a:rPr>
-              <a:t>의 </a:t>
-            </a:r>
-            <a:r>
-              <a:rPr lang="en-US" altLang="ko-KR" dirty="0" err="1">
+              <a:t> 못했지만 실제로 개봉했을 때 예상외의 성적을 거두어 관람객의 평가가 좋았고</a:t>
+            </a:r>
+            <a:r>
+              <a:rPr lang="en-US" altLang="ko-KR" b="0" i="0" dirty="0">
                 <a:solidFill>
                   <a:srgbClr val="333333"/>
                 </a:solidFill>
+                <a:effectLst/>
                 <a:latin typeface="NanumGothic" panose="020B0503020000020004" pitchFamily="2" charset="-127"/>
                 <a:ea typeface="NanumGothic" panose="020B0503020000020004" pitchFamily="2" charset="-127"/>
               </a:rPr>
-              <a:t>Gardians</a:t>
-            </a:r>
-            <a:r>
-              <a:rPr lang="en-US" altLang="ko-KR" dirty="0">
+              <a:t>, </a:t>
+            </a:r>
+            <a:r>
+              <a:rPr lang="ko-KR" altLang="en-US" b="0" i="0" dirty="0">
                 <a:solidFill>
                   <a:srgbClr val="333333"/>
                 </a:solidFill>
+                <a:effectLst/>
                 <a:latin typeface="NanumGothic" panose="020B0503020000020004" pitchFamily="2" charset="-127"/>
                 <a:ea typeface="NanumGothic" panose="020B0503020000020004" pitchFamily="2" charset="-127"/>
               </a:rPr>
-              <a:t> Of Galaxy Vol3</a:t>
+              <a:t> 어떤 영화는 </a:t>
             </a:r>
             <a:r>
               <a:rPr lang="ko-KR" altLang="en-US" dirty="0">
@@ -10052,7 +10062,56 @@
                 <a:latin typeface="NanumGothic" panose="020B0503020000020004" pitchFamily="2" charset="-127"/>
                 <a:ea typeface="NanumGothic" panose="020B0503020000020004" pitchFamily="2" charset="-127"/>
               </a:rPr>
-              <a:t>를 극장에서 관람하였는데 </a:t>
+              <a:t>좋은 성적을 기대했지만 예상했던 것 보다 좋지 못한 결과를 보여주고 있습니다</a:t>
+            </a:r>
+            <a:r>
+              <a:rPr lang="en-US" altLang="ko-KR" dirty="0">
+                <a:solidFill>
+                  <a:srgbClr val="333333"/>
+                </a:solidFill>
+                <a:latin typeface="NanumGothic" panose="020B0503020000020004" pitchFamily="2" charset="-127"/>
+                <a:ea typeface="NanumGothic" panose="020B0503020000020004" pitchFamily="2" charset="-127"/>
+              </a:rPr>
+              <a:t>.</a:t>
+            </a:r>
+            <a:br>
+              <a:rPr lang="en-US" altLang="ko-KR" dirty="0">
+                <a:solidFill>
+                  <a:srgbClr val="333333"/>
+                </a:solidFill>
+                <a:latin typeface="NanumGothic" panose="020B0503020000020004" pitchFamily="2" charset="-127"/>
+                <a:ea typeface="NanumGothic" panose="020B0503020000020004" pitchFamily="2" charset="-127"/>
+              </a:rPr>
+            </a:br>
+            <a:endParaRPr lang="en-US" altLang="ko-KR" dirty="0">
+              <a:solidFill>
+                <a:srgbClr val="333333"/>
+              </a:solidFill>
+              <a:latin typeface="NanumGothic" panose="020B0503020000020004" pitchFamily="2" charset="-127"/>
+              <a:ea typeface="NanumGothic" panose="020B0503020000020004" pitchFamily="2" charset="-127"/>
+            </a:endParaRPr>
+          </a:p>
+          <a:p>
+            <a:pPr algn="l"/>
+            <a:r>
+              <a:rPr lang="ko-KR" altLang="en-US" dirty="0">
+                <a:solidFill>
+                  <a:srgbClr val="333333"/>
+                </a:solidFill>
+                <a:latin typeface="NanumGothic" panose="020B0503020000020004" pitchFamily="2" charset="-127"/>
+                <a:ea typeface="NanumGothic" panose="020B0503020000020004" pitchFamily="2" charset="-127"/>
+              </a:rPr>
+              <a:t>이에 영화의 예매율과 관객 리뷰가 실제 영화 매출에 미치는 영향을 알아보고 싶어 주제를 선정하게 되었습니다</a:t>
+            </a:r>
+            <a:r>
+              <a:rPr lang="en-US" altLang="ko-KR" dirty="0">
+                <a:solidFill>
+                  <a:srgbClr val="333333"/>
+                </a:solidFill>
+                <a:latin typeface="NanumGothic" panose="020B0503020000020004" pitchFamily="2" charset="-127"/>
+                <a:ea typeface="NanumGothic" panose="020B0503020000020004" pitchFamily="2" charset="-127"/>
+              </a:rPr>
+              <a:t>,</a:t>
             </a:r>
             <a:endParaRPr lang="ko-KR" altLang="en-US" dirty="0"/>
           </a:p>
@@ -10630,7 +10689,9 @@
           </a:xfrm>
         </p:spPr>
         <p:txBody>
-          <a:bodyPr/>
+          <a:bodyPr>
+            <a:normAutofit lnSpcReduction="10000"/>
+          </a:bodyPr>
           <a:lstStyle/>
           <a:p>
             <a:pPr algn="l"/>
@@ -10686,7 +10747,26 @@
                 <a:latin typeface="NanumGothic" panose="020B0503020000020004" pitchFamily="2" charset="-127"/>
                 <a:ea typeface="NanumGothic" panose="020B0503020000020004" pitchFamily="2" charset="-127"/>
               </a:rPr>
-              <a:t>따라 영화 예매율과 실제 관람객 수의 차이를 분석한다</a:t>
+              <a:t>따라 영화 예매율과 실제 관람객 </a:t>
+            </a:r>
+            <a:br>
+              <a:rPr lang="en-US" altLang="ko-KR" dirty="0">
+                <a:solidFill>
+                  <a:srgbClr val="333333"/>
+                </a:solidFill>
+                <a:latin typeface="NanumGothic" panose="020B0503020000020004" pitchFamily="2" charset="-127"/>
+                <a:ea typeface="NanumGothic" panose="020B0503020000020004" pitchFamily="2" charset="-127"/>
+              </a:rPr>
+            </a:br>
+            <a:r>
+              <a:rPr lang="ko-KR" altLang="en-US" dirty="0">
+                <a:solidFill>
+                  <a:srgbClr val="333333"/>
+                </a:solidFill>
+                <a:latin typeface="NanumGothic" panose="020B0503020000020004" pitchFamily="2" charset="-127"/>
+                <a:ea typeface="NanumGothic" panose="020B0503020000020004" pitchFamily="2" charset="-127"/>
+              </a:rPr>
+              <a:t>수의 차이에 영향이 있는지를 분석한다</a:t>
             </a:r>
             <a:r>
               <a:rPr lang="en-US" altLang="ko-KR" dirty="0">
@@ -10759,7 +10839,28 @@
                 <a:latin typeface="NanumGothic" panose="020B0503020000020004" pitchFamily="2" charset="-127"/>
                 <a:ea typeface="NanumGothic" panose="020B0503020000020004" pitchFamily="2" charset="-127"/>
               </a:rPr>
-              <a:t>나이 등에 따라 선호하는 영화 장르를 비교하여 분석한다</a:t>
+              <a:t>나이 등에 따라 선호하는 영화 장르를 </a:t>
+            </a:r>
+            <a:br>
+              <a:rPr lang="en-US" altLang="ko-KR" b="0" i="0" dirty="0">
+                <a:solidFill>
+                  <a:srgbClr val="333333"/>
+                </a:solidFill>
+                <a:effectLst/>
+                <a:latin typeface="NanumGothic" panose="020B0503020000020004" pitchFamily="2" charset="-127"/>
+                <a:ea typeface="NanumGothic" panose="020B0503020000020004" pitchFamily="2" charset="-127"/>
+              </a:rPr>
+            </a:br>
+            <a:r>
+              <a:rPr lang="ko-KR" altLang="en-US" b="0" i="0" dirty="0">
+                <a:solidFill>
+                  <a:srgbClr val="333333"/>
+                </a:solidFill>
+                <a:effectLst/>
+                <a:latin typeface="NanumGothic" panose="020B0503020000020004" pitchFamily="2" charset="-127"/>
+                <a:ea typeface="NanumGothic" panose="020B0503020000020004" pitchFamily="2" charset="-127"/>
+              </a:rPr>
+              <a:t>비교하고 이 것이 영화의 예매에 미치는 영향을 분석한다</a:t>
             </a:r>
             <a:r>
               <a:rPr lang="en-US" altLang="ko-KR" b="0" i="0" dirty="0">
@@ -10803,6 +10904,28 @@
                 <a:ea typeface="NanumGothic" panose="020B0503020000020004" pitchFamily="2" charset="-127"/>
               </a:rPr>
               <a:t>•</a:t>
+            </a:r>
+            <a:r>
+              <a:rPr lang="ko-KR" altLang="en-US" b="0" i="0" dirty="0">
+                <a:solidFill>
+                  <a:srgbClr val="333333"/>
+                </a:solidFill>
+                <a:effectLst/>
+                <a:latin typeface="NanumGothic" panose="020B0503020000020004" pitchFamily="2" charset="-127"/>
+                <a:ea typeface="NanumGothic" panose="020B0503020000020004" pitchFamily="2" charset="-127"/>
+              </a:rPr>
+              <a:t>관람객이 영화를 관람한 뒤 작성한 리뷰가 추후 예매율에 미치는 영향을 분석한다</a:t>
+            </a:r>
+            <a:r>
+              <a:rPr lang="en-US" altLang="ko-KR" b="0" i="0" dirty="0">
+                <a:solidFill>
+                  <a:srgbClr val="333333"/>
+                </a:solidFill>
+                <a:effectLst/>
+                <a:latin typeface="NanumGothic" panose="020B0503020000020004" pitchFamily="2" charset="-127"/>
+                <a:ea typeface="NanumGothic" panose="020B0503020000020004" pitchFamily="2" charset="-127"/>
+              </a:rPr>
+              <a:t>.</a:t>
             </a:r>
             <a:endParaRPr lang="ko-KR" altLang="en-US" dirty="0"/>
           </a:p>
@@ -10894,7 +11017,9 @@
           </a:xfrm>
         </p:spPr>
         <p:txBody>
-          <a:bodyPr/>
+          <a:bodyPr>
+            <a:normAutofit fontScale="92500" lnSpcReduction="10000"/>
+          </a:bodyPr>
           <a:lstStyle/>
           <a:p>
             <a:pPr algn="l"/>
@@ -10908,6 +11033,105 @@
                 <a:ea typeface="NanumGothic" panose="020B0503020000020004" pitchFamily="2" charset="-127"/>
               </a:rPr>
               <a:t>•</a:t>
+            </a:r>
+            <a:r>
+              <a:rPr lang="ko-KR" altLang="en-US" dirty="0">
+                <a:solidFill>
+                  <a:srgbClr val="333333"/>
+                </a:solidFill>
+                <a:latin typeface="NanumGothic" panose="020B0503020000020004" pitchFamily="2" charset="-127"/>
+                <a:ea typeface="NanumGothic" panose="020B0503020000020004" pitchFamily="2" charset="-127"/>
+              </a:rPr>
+              <a:t>리뷰데이터는 감정 분석과 빈도 분석을 통해 자연어 처리를 먼저 수행한 뒤 긍정 리뷰와 부정 리뷰로 다시 분류한다</a:t>
+            </a:r>
+            <a:r>
+              <a:rPr lang="en-US" altLang="ko-KR" dirty="0">
+                <a:solidFill>
+                  <a:srgbClr val="333333"/>
+                </a:solidFill>
+                <a:latin typeface="NanumGothic" panose="020B0503020000020004" pitchFamily="2" charset="-127"/>
+                <a:ea typeface="NanumGothic" panose="020B0503020000020004" pitchFamily="2" charset="-127"/>
+              </a:rPr>
+              <a:t>.</a:t>
+            </a:r>
+          </a:p>
+          <a:p>
+            <a:pPr algn="l"/>
+            <a:endParaRPr lang="en-US" altLang="ko-KR" dirty="0">
+              <a:solidFill>
+                <a:srgbClr val="333333"/>
+              </a:solidFill>
+              <a:latin typeface="NanumGothic" panose="020B0503020000020004" pitchFamily="2" charset="-127"/>
+              <a:ea typeface="NanumGothic" panose="020B0503020000020004" pitchFamily="2" charset="-127"/>
+            </a:endParaRPr>
+          </a:p>
+          <a:p>
+            <a:pPr algn="l"/>
+            <a:r>
+              <a:rPr lang="en-US" altLang="ko-KR" b="0" i="0" dirty="0">
+                <a:solidFill>
+                  <a:srgbClr val="333333"/>
+                </a:solidFill>
+                <a:effectLst/>
+                <a:latin typeface="NanumGothic" panose="020B0503020000020004" pitchFamily="2" charset="-127"/>
+                <a:ea typeface="NanumGothic" panose="020B0503020000020004" pitchFamily="2" charset="-127"/>
+              </a:rPr>
+              <a:t>•</a:t>
+            </a:r>
+            <a:r>
+              <a:rPr lang="ko-KR" altLang="en-US" b="0" i="0" dirty="0">
+                <a:solidFill>
+                  <a:srgbClr val="333333"/>
+                </a:solidFill>
+                <a:effectLst/>
+                <a:latin typeface="NanumGothic" panose="020B0503020000020004" pitchFamily="2" charset="-127"/>
+                <a:ea typeface="NanumGothic" panose="020B0503020000020004" pitchFamily="2" charset="-127"/>
+              </a:rPr>
+              <a:t>리뷰를 제외한 다른 데이터들은 우선 군집화를 통해 특징을 추출해낸다</a:t>
+            </a:r>
+            <a:r>
+              <a:rPr lang="en-US" altLang="ko-KR" b="0" i="0" dirty="0">
+                <a:solidFill>
+                  <a:srgbClr val="333333"/>
+                </a:solidFill>
+                <a:effectLst/>
+                <a:latin typeface="NanumGothic" panose="020B0503020000020004" pitchFamily="2" charset="-127"/>
+                <a:ea typeface="NanumGothic" panose="020B0503020000020004" pitchFamily="2" charset="-127"/>
+              </a:rPr>
+              <a:t>.</a:t>
+            </a:r>
+          </a:p>
+          <a:p>
+            <a:pPr algn="l"/>
+            <a:endParaRPr lang="en-US" altLang="ko-KR" dirty="0">
+              <a:solidFill>
+                <a:srgbClr val="333333"/>
+              </a:solidFill>
+              <a:latin typeface="NanumGothic" panose="020B0503020000020004" pitchFamily="2" charset="-127"/>
+              <a:ea typeface="NanumGothic" panose="020B0503020000020004" pitchFamily="2" charset="-127"/>
+            </a:endParaRPr>
+          </a:p>
+          <a:p>
+            <a:pPr algn="l"/>
+            <a:r>
+              <a:rPr lang="ko-KR" altLang="en-US" dirty="0">
+                <a:solidFill>
+                  <a:srgbClr val="333333"/>
+                </a:solidFill>
+                <a:latin typeface="NanumGothic" panose="020B0503020000020004" pitchFamily="2" charset="-127"/>
+                <a:ea typeface="NanumGothic" panose="020B0503020000020004" pitchFamily="2" charset="-127"/>
+              </a:rPr>
+              <a:t>추출된 데이터들이 서로에게 미치는 영향을 파악하기 위해 회귀분석을 수행한다</a:t>
+            </a:r>
+            <a:r>
+              <a:rPr lang="en-US" altLang="ko-KR" dirty="0">
+                <a:solidFill>
+                  <a:srgbClr val="333333"/>
+                </a:solidFill>
+                <a:latin typeface="NanumGothic" panose="020B0503020000020004" pitchFamily="2" charset="-127"/>
+                <a:ea typeface="NanumGothic" panose="020B0503020000020004" pitchFamily="2" charset="-127"/>
+              </a:rPr>
+              <a:t>.</a:t>
             </a:r>
             <a:endParaRPr lang="ko-KR" altLang="en-US" dirty="0"/>
           </a:p>
@@ -10917,6 +11141,283 @@
     <p:extLst>
       <p:ext uri="{BB962C8B-B14F-4D97-AF65-F5344CB8AC3E}">
         <p14:creationId xmlns:p14="http://schemas.microsoft.com/office/powerpoint/2010/main" val="618967966"/>
+      </p:ext>
+    </p:extLst>
+  </p:cSld>
+  <p:clrMapOvr>
+    <a:masterClrMapping/>
+  </p:clrMapOvr>
+</p:sld>
+</file>
+
+<file path=ppt/slides/slide7.xml><?xml version="1.0" encoding="utf-8"?>
+<p:sld xmlns:a="http://schemas.openxmlformats.org/drawingml/2006/main" xmlns:r="http://schemas.openxmlformats.org/officeDocument/2006/relationships" xmlns:p="http://schemas.openxmlformats.org/presentationml/2006/main">
+  <p:cSld>
+    <p:spTree>
+      <p:nvGrpSpPr>
+        <p:cNvPr id="1" name=""/>
+        <p:cNvGrpSpPr/>
+        <p:nvPr/>
+      </p:nvGrpSpPr>
+      <p:grpSpPr>
+        <a:xfrm>
+          <a:off x="0" y="0"/>
+          <a:ext cx="0" cy="0"/>
+          <a:chOff x="0" y="0"/>
+          <a:chExt cx="0" cy="0"/>
+        </a:xfrm>
+      </p:grpSpPr>
+      <p:sp>
+        <p:nvSpPr>
+          <p:cNvPr id="2" name="제목 1">
+            <a:extLst>
+              <a:ext uri="{FF2B5EF4-FFF2-40B4-BE49-F238E27FC236}">
+                <a16:creationId xmlns:a16="http://schemas.microsoft.com/office/drawing/2014/main" id="{7D6A3D62-0D91-2CC8-26FF-0FCBB9ED8BE9}"/>
+              </a:ext>
+            </a:extLst>
+          </p:cNvPr>
+          <p:cNvSpPr>
+            <a:spLocks noGrp="1"/>
+          </p:cNvSpPr>
+          <p:nvPr>
+            <p:ph type="title"/>
+          </p:nvPr>
+        </p:nvSpPr>
+        <p:spPr>
+          <a:xfrm>
+            <a:off x="1621536" y="1006763"/>
+            <a:ext cx="9960864" cy="987552"/>
+          </a:xfrm>
+        </p:spPr>
+        <p:txBody>
+          <a:bodyPr/>
+          <a:lstStyle/>
+          <a:p>
+            <a:r>
+              <a:rPr lang="ko-KR" altLang="en-US" dirty="0"/>
+              <a:t>결론 도출</a:t>
+            </a:r>
+          </a:p>
+        </p:txBody>
+      </p:sp>
+      <p:sp>
+        <p:nvSpPr>
+          <p:cNvPr id="3" name="내용 개체 틀 2">
+            <a:extLst>
+              <a:ext uri="{FF2B5EF4-FFF2-40B4-BE49-F238E27FC236}">
+                <a16:creationId xmlns:a16="http://schemas.microsoft.com/office/drawing/2014/main" id="{0DC99050-8A88-EA1A-5FC1-C8AB9058FAE1}"/>
+              </a:ext>
+            </a:extLst>
+          </p:cNvPr>
+          <p:cNvSpPr>
+            <a:spLocks noGrp="1"/>
+          </p:cNvSpPr>
+          <p:nvPr>
+            <p:ph idx="1"/>
+          </p:nvPr>
+        </p:nvSpPr>
+        <p:spPr>
+          <a:xfrm>
+            <a:off x="1115568" y="2130829"/>
+            <a:ext cx="10972800" cy="3817389"/>
+          </a:xfrm>
+        </p:spPr>
+        <p:txBody>
+          <a:bodyPr>
+            <a:normAutofit fontScale="92500" lnSpcReduction="20000"/>
+          </a:bodyPr>
+          <a:lstStyle/>
+          <a:p>
+            <a:pPr algn="l"/>
+            <a:r>
+              <a:rPr lang="en-US" altLang="ko-KR" b="0" i="0" dirty="0">
+                <a:solidFill>
+                  <a:srgbClr val="333333"/>
+                </a:solidFill>
+                <a:effectLst/>
+                <a:latin typeface="NanumGothic" panose="020B0503020000020004" pitchFamily="2" charset="-127"/>
+                <a:ea typeface="NanumGothic" panose="020B0503020000020004" pitchFamily="2" charset="-127"/>
+              </a:rPr>
+              <a:t>•</a:t>
+            </a:r>
+            <a:r>
+              <a:rPr lang="ko-KR" altLang="en-US" b="0" i="0" dirty="0">
+                <a:solidFill>
+                  <a:srgbClr val="333333"/>
+                </a:solidFill>
+                <a:effectLst/>
+                <a:latin typeface="NanumGothic" panose="020B0503020000020004" pitchFamily="2" charset="-127"/>
+                <a:ea typeface="NanumGothic" panose="020B0503020000020004" pitchFamily="2" charset="-127"/>
+              </a:rPr>
+              <a:t>분석을 수행한 뒤 </a:t>
+            </a:r>
+            <a:r>
+              <a:rPr lang="en-US" altLang="ko-KR" b="0" i="0" dirty="0">
+                <a:solidFill>
+                  <a:srgbClr val="333333"/>
+                </a:solidFill>
+                <a:effectLst/>
+                <a:latin typeface="NanumGothic" panose="020B0503020000020004" pitchFamily="2" charset="-127"/>
+                <a:ea typeface="NanumGothic" panose="020B0503020000020004" pitchFamily="2" charset="-127"/>
+              </a:rPr>
+              <a:t>matplotlib</a:t>
+            </a:r>
+            <a:r>
+              <a:rPr lang="ko-KR" altLang="en-US" b="0" i="0" dirty="0">
+                <a:solidFill>
+                  <a:srgbClr val="333333"/>
+                </a:solidFill>
+                <a:effectLst/>
+                <a:latin typeface="NanumGothic" panose="020B0503020000020004" pitchFamily="2" charset="-127"/>
+                <a:ea typeface="NanumGothic" panose="020B0503020000020004" pitchFamily="2" charset="-127"/>
+              </a:rPr>
+              <a:t>을 사용하여 분석한 데이터들의 상관계수를 시각화 하여 </a:t>
+            </a:r>
+            <a:r>
+              <a:rPr lang="ko-KR" altLang="en-US" dirty="0">
+                <a:solidFill>
+                  <a:srgbClr val="333333"/>
+                </a:solidFill>
+                <a:latin typeface="NanumGothic" panose="020B0503020000020004" pitchFamily="2" charset="-127"/>
+                <a:ea typeface="NanumGothic" panose="020B0503020000020004" pitchFamily="2" charset="-127"/>
+              </a:rPr>
+              <a:t>영화 예매율에 영향을 미치는지 확인한다</a:t>
+            </a:r>
+            <a:r>
+              <a:rPr lang="en-US" altLang="ko-KR" dirty="0">
+                <a:solidFill>
+                  <a:srgbClr val="333333"/>
+                </a:solidFill>
+                <a:latin typeface="NanumGothic" panose="020B0503020000020004" pitchFamily="2" charset="-127"/>
+                <a:ea typeface="NanumGothic" panose="020B0503020000020004" pitchFamily="2" charset="-127"/>
+              </a:rPr>
+              <a:t>. </a:t>
+            </a:r>
+            <a:br>
+              <a:rPr lang="en-US" altLang="ko-KR" dirty="0">
+                <a:solidFill>
+                  <a:srgbClr val="333333"/>
+                </a:solidFill>
+                <a:latin typeface="NanumGothic" panose="020B0503020000020004" pitchFamily="2" charset="-127"/>
+                <a:ea typeface="NanumGothic" panose="020B0503020000020004" pitchFamily="2" charset="-127"/>
+              </a:rPr>
+            </a:br>
+            <a:endParaRPr lang="en-US" altLang="ko-KR" dirty="0">
+              <a:solidFill>
+                <a:srgbClr val="333333"/>
+              </a:solidFill>
+              <a:latin typeface="NanumGothic" panose="020B0503020000020004" pitchFamily="2" charset="-127"/>
+              <a:ea typeface="NanumGothic" panose="020B0503020000020004" pitchFamily="2" charset="-127"/>
+            </a:endParaRPr>
+          </a:p>
+          <a:p>
+            <a:pPr algn="l"/>
+            <a:r>
+              <a:rPr lang="ko-KR" altLang="en-US" dirty="0">
+                <a:solidFill>
+                  <a:srgbClr val="333333"/>
+                </a:solidFill>
+                <a:latin typeface="NanumGothic" panose="020B0503020000020004" pitchFamily="2" charset="-127"/>
+                <a:ea typeface="NanumGothic" panose="020B0503020000020004" pitchFamily="2" charset="-127"/>
+              </a:rPr>
+              <a:t>만약 회귀분석 결과로 높은 상관계수</a:t>
+            </a:r>
+            <a:r>
+              <a:rPr lang="en-US" altLang="ko-KR" dirty="0">
+                <a:solidFill>
+                  <a:srgbClr val="333333"/>
+                </a:solidFill>
+                <a:latin typeface="NanumGothic" panose="020B0503020000020004" pitchFamily="2" charset="-127"/>
+                <a:ea typeface="NanumGothic" panose="020B0503020000020004" pitchFamily="2" charset="-127"/>
+              </a:rPr>
+              <a:t>(-1 ~ -0.5 or 0.5 ~ 1)</a:t>
+            </a:r>
+            <a:r>
+              <a:rPr lang="ko-KR" altLang="en-US" dirty="0">
+                <a:solidFill>
+                  <a:srgbClr val="333333"/>
+                </a:solidFill>
+                <a:latin typeface="NanumGothic" panose="020B0503020000020004" pitchFamily="2" charset="-127"/>
+                <a:ea typeface="NanumGothic" panose="020B0503020000020004" pitchFamily="2" charset="-127"/>
+              </a:rPr>
+              <a:t>가 도출된다면 실제로 리뷰가 영화 예매율에 유의미한 영향을 미친 것이니 유의미한 데이터 분석임을 알 수 있다</a:t>
+            </a:r>
+            <a:r>
+              <a:rPr lang="en-US" altLang="ko-KR" dirty="0">
+                <a:solidFill>
+                  <a:srgbClr val="333333"/>
+                </a:solidFill>
+                <a:latin typeface="NanumGothic" panose="020B0503020000020004" pitchFamily="2" charset="-127"/>
+                <a:ea typeface="NanumGothic" panose="020B0503020000020004" pitchFamily="2" charset="-127"/>
+              </a:rPr>
+              <a:t>.</a:t>
+            </a:r>
+            <a:br>
+              <a:rPr lang="en-US" altLang="ko-KR" dirty="0">
+                <a:solidFill>
+                  <a:srgbClr val="333333"/>
+                </a:solidFill>
+                <a:latin typeface="NanumGothic" panose="020B0503020000020004" pitchFamily="2" charset="-127"/>
+                <a:ea typeface="NanumGothic" panose="020B0503020000020004" pitchFamily="2" charset="-127"/>
+              </a:rPr>
+            </a:br>
+            <a:endParaRPr lang="en-US" altLang="ko-KR" dirty="0">
+              <a:solidFill>
+                <a:srgbClr val="333333"/>
+              </a:solidFill>
+              <a:latin typeface="NanumGothic" panose="020B0503020000020004" pitchFamily="2" charset="-127"/>
+              <a:ea typeface="NanumGothic" panose="020B0503020000020004" pitchFamily="2" charset="-127"/>
+            </a:endParaRPr>
+          </a:p>
+          <a:p>
+            <a:pPr algn="l"/>
+            <a:r>
+              <a:rPr lang="ko-KR" altLang="en-US" dirty="0">
+                <a:solidFill>
+                  <a:srgbClr val="333333"/>
+                </a:solidFill>
+                <a:latin typeface="NanumGothic" panose="020B0503020000020004" pitchFamily="2" charset="-127"/>
+                <a:ea typeface="NanumGothic" panose="020B0503020000020004" pitchFamily="2" charset="-127"/>
+              </a:rPr>
+              <a:t>반대의 경우</a:t>
+            </a:r>
+            <a:r>
+              <a:rPr lang="en-US" altLang="ko-KR" dirty="0">
+                <a:solidFill>
+                  <a:srgbClr val="333333"/>
+                </a:solidFill>
+                <a:latin typeface="NanumGothic" panose="020B0503020000020004" pitchFamily="2" charset="-127"/>
+                <a:ea typeface="NanumGothic" panose="020B0503020000020004" pitchFamily="2" charset="-127"/>
+              </a:rPr>
+              <a:t>(-0.5 ~ 0.5) </a:t>
+            </a:r>
+            <a:r>
+              <a:rPr lang="ko-KR" altLang="en-US" dirty="0">
+                <a:solidFill>
+                  <a:srgbClr val="333333"/>
+                </a:solidFill>
+                <a:latin typeface="NanumGothic" panose="020B0503020000020004" pitchFamily="2" charset="-127"/>
+                <a:ea typeface="NanumGothic" panose="020B0503020000020004" pitchFamily="2" charset="-127"/>
+              </a:rPr>
+              <a:t>영화 리뷰가 예매율에 영향을 미치지 않은 것이니 가설을 폐기한다</a:t>
+            </a:r>
+            <a:r>
+              <a:rPr lang="en-US" altLang="ko-KR" dirty="0">
+                <a:solidFill>
+                  <a:srgbClr val="333333"/>
+                </a:solidFill>
+                <a:latin typeface="NanumGothic" panose="020B0503020000020004" pitchFamily="2" charset="-127"/>
+                <a:ea typeface="NanumGothic" panose="020B0503020000020004" pitchFamily="2" charset="-127"/>
+              </a:rPr>
+              <a:t>.</a:t>
+            </a:r>
+          </a:p>
+        </p:txBody>
+      </p:sp>
+    </p:spTree>
+    <p:extLst>
+      <p:ext uri="{BB962C8B-B14F-4D97-AF65-F5344CB8AC3E}">
+        <p14:creationId xmlns:p14="http://schemas.microsoft.com/office/powerpoint/2010/main" val="4167858881"/>
       </p:ext>
     </p:extLst>
   </p:cSld>
